--- a/PPT/Angular20-Electron.pptx
+++ b/PPT/Angular20-Electron.pptx
@@ -5,16 +5,14 @@
     <p:sldMasterId id="2147483653" r:id="rId1"/>
   </p:sldMasterIdLst>
   <p:notesMasterIdLst>
-    <p:notesMasterId r:id="rId6"/>
+    <p:notesMasterId r:id="rId4"/>
   </p:notesMasterIdLst>
   <p:handoutMasterIdLst>
-    <p:handoutMasterId r:id="rId7"/>
+    <p:handoutMasterId r:id="rId5"/>
   </p:handoutMasterIdLst>
   <p:sldIdLst>
     <p:sldId id="264" r:id="rId2"/>
     <p:sldId id="265" r:id="rId3"/>
-    <p:sldId id="266" r:id="rId4"/>
-    <p:sldId id="267" r:id="rId5"/>
   </p:sldIdLst>
   <p:sldSz cx="9144000" cy="6858000" type="screen4x3"/>
   <p:notesSz cx="6648450" cy="9782175"/>
@@ -3692,13 +3690,8 @@
             <a:pPr eaLnBrk="1" hangingPunct="1"/>
             <a:r>
               <a:rPr lang="fr-FR" altLang="fr-FR" dirty="0" smtClean="0"/>
-              <a:t>Chapitre </a:t>
-            </a:r>
-            <a:r>
-              <a:rPr lang="fr-FR" altLang="fr-FR" dirty="0" smtClean="0"/>
-              <a:t>20</a:t>
-            </a:r>
-            <a:endParaRPr lang="fr-FR" altLang="fr-FR" dirty="0" smtClean="0"/>
+              <a:t>Chapitre 20</a:t>
+            </a:r>
           </a:p>
           <a:p>
             <a:pPr eaLnBrk="1" hangingPunct="1"/>
@@ -3706,7 +3699,6 @@
               <a:rPr lang="fr-FR" altLang="fr-FR" dirty="0" smtClean="0"/>
               <a:t>Electron</a:t>
             </a:r>
-            <a:endParaRPr lang="fr-FR" altLang="fr-FR" dirty="0" smtClean="0"/>
           </a:p>
         </p:txBody>
       </p:sp>
@@ -4095,402 +4087,6 @@
     <p:extLst>
       <p:ext uri="{BB962C8B-B14F-4D97-AF65-F5344CB8AC3E}">
         <p14:creationId xmlns:p14="http://schemas.microsoft.com/office/powerpoint/2010/main" val="1639932639"/>
-      </p:ext>
-    </p:extLst>
-  </p:cSld>
-  <p:clrMapOvr>
-    <a:masterClrMapping/>
-  </p:clrMapOvr>
-</p:sld>
-</file>
-
-<file path=ppt/slides/slide3.xml><?xml version="1.0" encoding="utf-8"?>
-<p:sld xmlns:a="http://schemas.openxmlformats.org/drawingml/2006/main" xmlns:r="http://schemas.openxmlformats.org/officeDocument/2006/relationships" xmlns:p="http://schemas.openxmlformats.org/presentationml/2006/main">
-  <p:cSld>
-    <p:spTree>
-      <p:nvGrpSpPr>
-        <p:cNvPr id="1" name=""/>
-        <p:cNvGrpSpPr/>
-        <p:nvPr/>
-      </p:nvGrpSpPr>
-      <p:grpSpPr>
-        <a:xfrm>
-          <a:off x="0" y="0"/>
-          <a:ext cx="0" cy="0"/>
-          <a:chOff x="0" y="0"/>
-          <a:chExt cx="0" cy="0"/>
-        </a:xfrm>
-      </p:grpSpPr>
-      <p:sp>
-        <p:nvSpPr>
-          <p:cNvPr id="2" name="Titre 1"/>
-          <p:cNvSpPr>
-            <a:spLocks noGrp="1"/>
-          </p:cNvSpPr>
-          <p:nvPr>
-            <p:ph type="title"/>
-          </p:nvPr>
-        </p:nvSpPr>
-        <p:spPr/>
-        <p:txBody>
-          <a:bodyPr/>
-          <a:lstStyle/>
-          <a:p>
-            <a:r>
-              <a:rPr lang="fr-FR" dirty="0" smtClean="0"/>
-              <a:t>XSS</a:t>
-            </a:r>
-            <a:endParaRPr lang="fr-FR" dirty="0"/>
-          </a:p>
-        </p:txBody>
-      </p:sp>
-      <p:sp>
-        <p:nvSpPr>
-          <p:cNvPr id="3" name="Espace réservé du contenu 2"/>
-          <p:cNvSpPr>
-            <a:spLocks noGrp="1"/>
-          </p:cNvSpPr>
-          <p:nvPr>
-            <p:ph idx="1"/>
-          </p:nvPr>
-        </p:nvSpPr>
-        <p:spPr/>
-        <p:txBody>
-          <a:bodyPr/>
-          <a:lstStyle/>
-          <a:p>
-            <a:r>
-              <a:rPr lang="fr-FR" dirty="0" smtClean="0"/>
-              <a:t>Cross Site Scripting</a:t>
-            </a:r>
-          </a:p>
-          <a:p>
-            <a:pPr lvl="1"/>
-            <a:r>
-              <a:rPr lang="fr-FR" dirty="0" smtClean="0"/>
-              <a:t>Par défaut Chrome interdit d'accéder à un site différent de l'hébergeur du code </a:t>
-            </a:r>
-            <a:r>
-              <a:rPr lang="fr-FR" dirty="0" err="1" smtClean="0"/>
-              <a:t>Angular</a:t>
-            </a:r>
-            <a:endParaRPr lang="fr-FR" dirty="0" smtClean="0"/>
-          </a:p>
-          <a:p>
-            <a:r>
-              <a:rPr lang="fr-FR" dirty="0" smtClean="0"/>
-              <a:t>Paramétrer dans le header de index.html</a:t>
-            </a:r>
-          </a:p>
-          <a:p>
-            <a:pPr lvl="1"/>
-            <a:r>
-              <a:rPr lang="fr-FR" dirty="0"/>
-              <a:t>&lt;</a:t>
-            </a:r>
-            <a:r>
-              <a:rPr lang="fr-FR" dirty="0" err="1"/>
-              <a:t>meta</a:t>
-            </a:r>
-            <a:r>
-              <a:rPr lang="fr-FR" dirty="0"/>
-              <a:t> http-</a:t>
-            </a:r>
-            <a:r>
-              <a:rPr lang="fr-FR" dirty="0" err="1"/>
-              <a:t>equiv</a:t>
-            </a:r>
-            <a:r>
-              <a:rPr lang="fr-FR" dirty="0"/>
-              <a:t>="Content-Security-Policy</a:t>
-            </a:r>
-            <a:r>
-              <a:rPr lang="fr-FR" dirty="0" smtClean="0"/>
-              <a:t>" content="…"&gt;</a:t>
-            </a:r>
-          </a:p>
-          <a:p>
-            <a:pPr lvl="1"/>
-            <a:r>
-              <a:rPr lang="fr-FR" dirty="0" smtClean="0"/>
-              <a:t>L'attribut content contient la spécification XSS</a:t>
-            </a:r>
-          </a:p>
-          <a:p>
-            <a:pPr lvl="1"/>
-            <a:r>
-              <a:rPr lang="fr-FR" dirty="0"/>
-              <a:t>Par </a:t>
-            </a:r>
-            <a:r>
-              <a:rPr lang="fr-FR" dirty="0" smtClean="0"/>
-              <a:t>exemple :</a:t>
-            </a:r>
-          </a:p>
-          <a:p>
-            <a:pPr lvl="1"/>
-            <a:r>
-              <a:rPr lang="fr-FR" dirty="0" smtClean="0"/>
-              <a:t>default-</a:t>
-            </a:r>
-            <a:r>
-              <a:rPr lang="fr-FR" dirty="0" err="1" smtClean="0"/>
-              <a:t>src</a:t>
-            </a:r>
-            <a:r>
-              <a:rPr lang="fr-FR" dirty="0" smtClean="0"/>
-              <a:t> </a:t>
-            </a:r>
-            <a:r>
-              <a:rPr lang="fr-FR" dirty="0"/>
-              <a:t>'self' http://localhost:5000 '</a:t>
-            </a:r>
-            <a:r>
-              <a:rPr lang="fr-FR" dirty="0" err="1"/>
-              <a:t>unsafe-inline</a:t>
-            </a:r>
-            <a:r>
-              <a:rPr lang="fr-FR" dirty="0"/>
-              <a:t>' '</a:t>
-            </a:r>
-            <a:r>
-              <a:rPr lang="fr-FR" dirty="0" err="1"/>
-              <a:t>unsafe-eval</a:t>
-            </a:r>
-            <a:r>
-              <a:rPr lang="fr-FR" dirty="0" smtClean="0"/>
-              <a:t>'</a:t>
-            </a:r>
-          </a:p>
-          <a:p>
-            <a:pPr lvl="1"/>
-            <a:r>
-              <a:rPr lang="fr-FR" dirty="0" smtClean="0"/>
-              <a:t>Autorise le site localhost:5000, les évaluations JS et le code </a:t>
-            </a:r>
-            <a:r>
-              <a:rPr lang="fr-FR" dirty="0" err="1" smtClean="0"/>
-              <a:t>inline</a:t>
-            </a:r>
-            <a:endParaRPr lang="fr-FR" dirty="0"/>
-          </a:p>
-          <a:p>
-            <a:pPr lvl="1"/>
-            <a:endParaRPr lang="fr-FR" dirty="0"/>
-          </a:p>
-          <a:p>
-            <a:pPr lvl="1"/>
-            <a:endParaRPr lang="fr-FR" dirty="0"/>
-          </a:p>
-        </p:txBody>
-      </p:sp>
-    </p:spTree>
-    <p:extLst>
-      <p:ext uri="{BB962C8B-B14F-4D97-AF65-F5344CB8AC3E}">
-        <p14:creationId xmlns:p14="http://schemas.microsoft.com/office/powerpoint/2010/main" val="3871053084"/>
-      </p:ext>
-    </p:extLst>
-  </p:cSld>
-  <p:clrMapOvr>
-    <a:masterClrMapping/>
-  </p:clrMapOvr>
-</p:sld>
-</file>
-
-<file path=ppt/slides/slide4.xml><?xml version="1.0" encoding="utf-8"?>
-<p:sld xmlns:a="http://schemas.openxmlformats.org/drawingml/2006/main" xmlns:r="http://schemas.openxmlformats.org/officeDocument/2006/relationships" xmlns:p="http://schemas.openxmlformats.org/presentationml/2006/main">
-  <p:cSld>
-    <p:spTree>
-      <p:nvGrpSpPr>
-        <p:cNvPr id="1" name=""/>
-        <p:cNvGrpSpPr/>
-        <p:nvPr/>
-      </p:nvGrpSpPr>
-      <p:grpSpPr>
-        <a:xfrm>
-          <a:off x="0" y="0"/>
-          <a:ext cx="0" cy="0"/>
-          <a:chOff x="0" y="0"/>
-          <a:chExt cx="0" cy="0"/>
-        </a:xfrm>
-      </p:grpSpPr>
-      <p:sp>
-        <p:nvSpPr>
-          <p:cNvPr id="2" name="Titre 1"/>
-          <p:cNvSpPr>
-            <a:spLocks noGrp="1"/>
-          </p:cNvSpPr>
-          <p:nvPr>
-            <p:ph type="title"/>
-          </p:nvPr>
-        </p:nvSpPr>
-        <p:spPr/>
-        <p:txBody>
-          <a:bodyPr/>
-          <a:lstStyle/>
-          <a:p>
-            <a:r>
-              <a:rPr lang="fr-FR" dirty="0" err="1" smtClean="0"/>
-              <a:t>HTTPInterceptor</a:t>
-            </a:r>
-            <a:endParaRPr lang="fr-FR" dirty="0"/>
-          </a:p>
-        </p:txBody>
-      </p:sp>
-      <p:sp>
-        <p:nvSpPr>
-          <p:cNvPr id="3" name="Espace réservé du contenu 2"/>
-          <p:cNvSpPr>
-            <a:spLocks noGrp="1"/>
-          </p:cNvSpPr>
-          <p:nvPr>
-            <p:ph idx="1"/>
-          </p:nvPr>
-        </p:nvSpPr>
-        <p:spPr/>
-        <p:txBody>
-          <a:bodyPr/>
-          <a:lstStyle/>
-          <a:p>
-            <a:r>
-              <a:rPr lang="fr-FR" dirty="0" smtClean="0"/>
-              <a:t>La gestion des erreurs devrait être industrialisée</a:t>
-            </a:r>
-          </a:p>
-          <a:p>
-            <a:r>
-              <a:rPr lang="fr-FR" dirty="0" err="1" smtClean="0"/>
-              <a:t>HTTPInterceptor</a:t>
-            </a:r>
-            <a:r>
-              <a:rPr lang="fr-FR" dirty="0" smtClean="0"/>
-              <a:t> permet d'intercepter des message HTTP comme des erreurs pour les traiter</a:t>
-            </a:r>
-          </a:p>
-          <a:p>
-            <a:r>
-              <a:rPr lang="fr-FR" dirty="0" smtClean="0"/>
-              <a:t>Exemple :</a:t>
-            </a:r>
-          </a:p>
-          <a:p>
-            <a:pPr marL="400050" lvl="1" indent="0">
-              <a:buNone/>
-            </a:pPr>
-            <a:r>
-              <a:rPr lang="en-US" sz="2000" smtClean="0"/>
-              <a:t>// Dans</a:t>
-            </a:r>
-            <a:r>
-              <a:rPr lang="en-US" sz="2000" dirty="0" smtClean="0"/>
-              <a:t> </a:t>
-            </a:r>
-            <a:r>
-              <a:rPr lang="en-US" sz="2000" dirty="0" err="1"/>
-              <a:t>app.module.ts</a:t>
-            </a:r>
-            <a:r>
-              <a:rPr lang="en-US" sz="2000" dirty="0"/>
-              <a:t> </a:t>
-            </a:r>
-            <a:r>
-              <a:rPr lang="en-US" sz="2000" dirty="0" err="1"/>
-              <a:t>ajouter</a:t>
-            </a:r>
-            <a:r>
-              <a:rPr lang="en-US" sz="2000" dirty="0"/>
-              <a:t> </a:t>
-            </a:r>
-          </a:p>
-          <a:p>
-            <a:pPr marL="400050" lvl="1" indent="0">
-              <a:buNone/>
-            </a:pPr>
-            <a:r>
-              <a:rPr lang="en-US" sz="2000" dirty="0"/>
-              <a:t>    providers: [</a:t>
-            </a:r>
-          </a:p>
-          <a:p>
-            <a:pPr marL="400050" lvl="1" indent="0">
-              <a:buNone/>
-            </a:pPr>
-            <a:r>
-              <a:rPr lang="en-US" sz="2000" dirty="0"/>
-              <a:t>        {</a:t>
-            </a:r>
-          </a:p>
-          <a:p>
-            <a:pPr marL="400050" lvl="1" indent="0">
-              <a:buNone/>
-            </a:pPr>
-            <a:r>
-              <a:rPr lang="en-US" sz="2000" dirty="0"/>
-              <a:t>        provide: HTTP_INTERCEPTORS,</a:t>
-            </a:r>
-          </a:p>
-          <a:p>
-            <a:pPr marL="400050" lvl="1" indent="0">
-              <a:buNone/>
-            </a:pPr>
-            <a:r>
-              <a:rPr lang="en-US" sz="2000" dirty="0"/>
-              <a:t>        </a:t>
-            </a:r>
-            <a:r>
-              <a:rPr lang="en-US" sz="2000" dirty="0" err="1"/>
-              <a:t>useClass</a:t>
-            </a:r>
-            <a:r>
-              <a:rPr lang="en-US" sz="2000" dirty="0"/>
-              <a:t>: </a:t>
-            </a:r>
-            <a:r>
-              <a:rPr lang="en-US" sz="2000" dirty="0" err="1"/>
-              <a:t>HttpErrorInterceptor</a:t>
-            </a:r>
-            <a:r>
-              <a:rPr lang="en-US" sz="2000" dirty="0"/>
-              <a:t>,</a:t>
-            </a:r>
-          </a:p>
-          <a:p>
-            <a:pPr marL="400050" lvl="1" indent="0">
-              <a:buNone/>
-            </a:pPr>
-            <a:r>
-              <a:rPr lang="en-US" sz="2000" dirty="0"/>
-              <a:t>        multi: true,</a:t>
-            </a:r>
-          </a:p>
-          <a:p>
-            <a:pPr marL="400050" lvl="1" indent="0">
-              <a:buNone/>
-            </a:pPr>
-            <a:r>
-              <a:rPr lang="en-US" sz="2000" dirty="0"/>
-              <a:t>        }</a:t>
-            </a:r>
-          </a:p>
-          <a:p>
-            <a:pPr marL="400050" lvl="1" indent="0">
-              <a:buNone/>
-            </a:pPr>
-            <a:r>
-              <a:rPr lang="en-US" sz="2000" dirty="0"/>
-              <a:t>    ],</a:t>
-            </a:r>
-            <a:endParaRPr lang="fr-FR" sz="2000" dirty="0" smtClean="0"/>
-          </a:p>
-          <a:p>
-            <a:endParaRPr lang="fr-FR" dirty="0"/>
-          </a:p>
-        </p:txBody>
-      </p:sp>
-    </p:spTree>
-    <p:extLst>
-      <p:ext uri="{BB962C8B-B14F-4D97-AF65-F5344CB8AC3E}">
-        <p14:creationId xmlns:p14="http://schemas.microsoft.com/office/powerpoint/2010/main" val="4235329583"/>
       </p:ext>
     </p:extLst>
   </p:cSld>
